--- a/Presentation_0415_JiayuChen.pptx
+++ b/Presentation_0415_JiayuChen.pptx
@@ -12351,7 +12351,7 @@
         </p:nvSpPr>
         <p:spPr>
           <a:xfrm>
-            <a:off x="8040304" y="808623"/>
+            <a:off x="8089541" y="778197"/>
             <a:ext cx="3988066" cy="523220"/>
           </a:xfrm>
           <a:prstGeom prst="rect">
@@ -12610,9 +12610,9 @@
           <p:nvPr/>
         </p:nvCxnSpPr>
         <p:spPr>
-          <a:xfrm>
-            <a:off x="7846194" y="1044914"/>
-            <a:ext cx="194110" cy="25319"/>
+          <a:xfrm flipV="1">
+            <a:off x="7846194" y="1039807"/>
+            <a:ext cx="243347" cy="5107"/>
           </a:xfrm>
           <a:prstGeom prst="straightConnector1">
             <a:avLst/>
@@ -12745,7 +12745,7 @@
         </p:nvCxnSpPr>
         <p:spPr>
           <a:xfrm>
-            <a:off x="10034337" y="1331843"/>
+            <a:off x="10083574" y="1301417"/>
             <a:ext cx="563078" cy="1093723"/>
           </a:xfrm>
           <a:prstGeom prst="straightConnector1">
@@ -12787,8 +12787,8 @@
         </p:nvSpPr>
         <p:spPr>
           <a:xfrm>
-            <a:off x="3801950" y="4717498"/>
-            <a:ext cx="7817605" cy="1384995"/>
+            <a:off x="3590934" y="4505036"/>
+            <a:ext cx="8282198" cy="1569660"/>
           </a:xfrm>
           <a:prstGeom prst="rect">
             <a:avLst/>
@@ -12824,31 +12824,31 @@
           <a:p>
             <a:pPr algn="l"/>
             <a:r>
-              <a:rPr lang="en-US" altLang="zh-CN" dirty="0"/>
+              <a:rPr lang="en-US" altLang="zh-CN" sz="1600" dirty="0"/>
               <a:t>Expressed in the BSG signal, it should be a portion of the heartbeat completes a heartbeat cycle in a very short time. </a:t>
             </a:r>
           </a:p>
           <a:p>
             <a:pPr algn="l"/>
-            <a:endParaRPr lang="en-US" altLang="zh-CN" dirty="0"/>
+            <a:endParaRPr lang="en-US" altLang="zh-CN" sz="1600" dirty="0"/>
           </a:p>
           <a:p>
             <a:pPr algn="l"/>
             <a:r>
-              <a:rPr lang="en-US" altLang="zh-CN" dirty="0"/>
-              <a:t>The core of the problem is some heartbeats’ temporal stretching.</a:t>
+              <a:rPr lang="en-US" altLang="zh-CN" sz="1600" b="1" u="sng" dirty="0"/>
+              <a:t>The core of the problem is that AFib heartbeats have temporal stretching.</a:t>
             </a:r>
           </a:p>
           <a:p>
-            <a:endParaRPr lang="en-US" altLang="zh-CN" dirty="0"/>
+            <a:endParaRPr lang="en-US" altLang="zh-CN" sz="1600" dirty="0"/>
           </a:p>
           <a:p>
             <a:pPr algn="l"/>
             <a:r>
-              <a:rPr lang="en-US" altLang="zh-CN" dirty="0"/>
+              <a:rPr lang="en-US" altLang="zh-CN" sz="1600" dirty="0"/>
               <a:t>Almost all parts of the previous algorithm need to be done over again. </a:t>
             </a:r>
-            <a:endParaRPr lang="zh-CN" altLang="en-US" dirty="0"/>
+            <a:endParaRPr lang="zh-CN" altLang="en-US" sz="1600" dirty="0"/>
           </a:p>
         </p:txBody>
       </p:sp>
@@ -12963,7 +12963,7 @@
         <p:spPr>
           <a:xfrm>
             <a:off x="180892" y="583288"/>
-            <a:ext cx="11830215" cy="3539430"/>
+            <a:ext cx="11830215" cy="4031873"/>
           </a:xfrm>
           <a:prstGeom prst="rect">
             <a:avLst/>
@@ -12999,15 +12999,15 @@
           <a:p>
             <a:pPr algn="l"/>
             <a:r>
-              <a:rPr lang="en-US" altLang="zh-CN" dirty="0"/>
+              <a:rPr lang="en-US" altLang="zh-CN" sz="1600" dirty="0"/>
               <a:t>Why does IoT 2023 Quality Control determine the </a:t>
             </a:r>
             <a:r>
-              <a:rPr lang="en-US" altLang="zh-CN" dirty="0" err="1"/>
+              <a:rPr lang="en-US" altLang="zh-CN" sz="1600" dirty="0" err="1"/>
               <a:t>Afib</a:t>
             </a:r>
             <a:r>
-              <a:rPr lang="en-US" altLang="zh-CN" dirty="0"/>
+              <a:rPr lang="en-US" altLang="zh-CN" sz="1600" dirty="0"/>
               <a:t> signal as not a heartbeat?</a:t>
             </a:r>
           </a:p>
@@ -13016,15 +13016,15 @@
               <a:buAutoNum type="arabicPeriod"/>
             </a:pPr>
             <a:r>
-              <a:rPr lang="en-US" altLang="zh-CN" dirty="0"/>
+              <a:rPr lang="en-US" altLang="zh-CN" sz="1600" dirty="0"/>
               <a:t>The Denoise range is wrongly estimated. 0.8Hz-12.5Hz is too narrow, it will treat some heartbeats with </a:t>
             </a:r>
             <a:r>
-              <a:rPr lang="en-US" altLang="zh-CN" dirty="0" err="1"/>
+              <a:rPr lang="en-US" altLang="zh-CN" sz="1600" dirty="0" err="1"/>
               <a:t>Afib</a:t>
             </a:r>
             <a:r>
-              <a:rPr lang="en-US" altLang="zh-CN" dirty="0"/>
+              <a:rPr lang="en-US" altLang="zh-CN" sz="1600" dirty="0"/>
               <a:t> as noise. 0.8Hz-25Hz would be safer.</a:t>
             </a:r>
           </a:p>
@@ -13033,11 +13033,11 @@
               <a:buAutoNum type="arabicPeriod"/>
             </a:pPr>
             <a:r>
-              <a:rPr lang="en-US" altLang="zh-CN" dirty="0" err="1"/>
+              <a:rPr lang="en-US" altLang="zh-CN" sz="1600" dirty="0" err="1"/>
               <a:t>Yingjian‘s</a:t>
             </a:r>
             <a:r>
-              <a:rPr lang="en-US" altLang="zh-CN" dirty="0"/>
+              <a:rPr lang="en-US" altLang="zh-CN" sz="1600" dirty="0"/>
               <a:t> actual Quality Control code is partly based on ACF, which is different from IoT’s paper.</a:t>
             </a:r>
           </a:p>
@@ -13045,58 +13045,58 @@
             <a:pPr marL="342900" indent="-342900" algn="l">
               <a:buAutoNum type="arabicPeriod"/>
             </a:pPr>
-            <a:endParaRPr lang="en-US" altLang="zh-CN" dirty="0"/>
+            <a:endParaRPr lang="en-US" altLang="zh-CN" sz="1600" dirty="0"/>
           </a:p>
           <a:p>
             <a:pPr marL="342900" indent="-342900" algn="l">
               <a:buAutoNum type="arabicPeriod"/>
             </a:pPr>
-            <a:endParaRPr lang="en-US" altLang="zh-CN" dirty="0"/>
+            <a:endParaRPr lang="en-US" altLang="zh-CN" sz="1600" dirty="0"/>
           </a:p>
           <a:p>
             <a:pPr algn="l"/>
             <a:r>
-              <a:rPr lang="en-US" altLang="zh-CN" dirty="0"/>
+              <a:rPr lang="en-US" altLang="zh-CN" sz="1600" b="1" u="sng" dirty="0"/>
               <a:t>The heartbeats of </a:t>
             </a:r>
             <a:r>
-              <a:rPr lang="en-US" altLang="zh-CN" dirty="0" err="1"/>
+              <a:rPr lang="en-US" altLang="zh-CN" sz="1600" b="1" u="sng" dirty="0" err="1"/>
               <a:t>Afib</a:t>
             </a:r>
             <a:r>
-              <a:rPr lang="en-US" altLang="zh-CN" dirty="0"/>
+              <a:rPr lang="en-US" altLang="zh-CN" sz="1600" b="1" u="sng" dirty="0"/>
               <a:t> patients, 30% will be filtered, then 30% will be distorted due to denoise, leaving 40% that can be recognized as heartbeats and are not distorted.</a:t>
             </a:r>
           </a:p>
           <a:p>
-            <a:endParaRPr lang="en-US" altLang="zh-CN" dirty="0"/>
+            <a:endParaRPr lang="en-US" altLang="zh-CN" sz="1600" dirty="0"/>
           </a:p>
           <a:p>
-            <a:endParaRPr lang="en-US" altLang="zh-CN" dirty="0"/>
+            <a:endParaRPr lang="en-US" altLang="zh-CN" sz="1600" dirty="0"/>
           </a:p>
           <a:p>
             <a:pPr algn="l"/>
             <a:r>
-              <a:rPr lang="en-US" altLang="zh-CN" dirty="0"/>
+              <a:rPr lang="en-US" altLang="zh-CN" sz="1600" dirty="0"/>
               <a:t>A previous thought: use the ratio of the kinetic energy of two consecutive time steps to make a distinction between the presence of other vibrational signals in the signal. The empirical parameter of 20% given in the paper would result in almost no signal being retained.</a:t>
             </a:r>
           </a:p>
           <a:p>
             <a:pPr algn="l"/>
-            <a:endParaRPr lang="en-US" altLang="zh-CN" dirty="0"/>
+            <a:endParaRPr lang="en-US" altLang="zh-CN" sz="1600" dirty="0"/>
           </a:p>
           <a:p>
             <a:pPr algn="l"/>
             <a:r>
-              <a:rPr lang="en-US" altLang="zh-CN" dirty="0"/>
+              <a:rPr lang="en-US" altLang="zh-CN" sz="1600" b="1" u="sng" dirty="0"/>
               <a:t>This method, based on the ratio of kinetic energies, with modifications can be used for the separation of the vibration source with little effect on the </a:t>
             </a:r>
             <a:r>
-              <a:rPr lang="en-US" altLang="zh-CN" dirty="0" err="1"/>
+              <a:rPr lang="en-US" altLang="zh-CN" sz="1600" b="1" u="sng" dirty="0" err="1"/>
               <a:t>Afib</a:t>
             </a:r>
             <a:r>
-              <a:rPr lang="en-US" altLang="zh-CN" dirty="0"/>
+              <a:rPr lang="en-US" altLang="zh-CN" sz="1600" b="1" u="sng" dirty="0"/>
               <a:t> heartbeats.</a:t>
             </a:r>
           </a:p>
@@ -13116,16 +13116,15 @@
           </p:cNvPicPr>
           <p:nvPr/>
         </p:nvPicPr>
-        <p:blipFill>
+        <p:blipFill rotWithShape="1">
           <a:blip r:embed="rId3"/>
-          <a:stretch>
-            <a:fillRect/>
-          </a:stretch>
+          <a:srcRect b="7174"/>
+          <a:stretch/>
         </p:blipFill>
         <p:spPr>
           <a:xfrm>
-            <a:off x="3574255" y="4504997"/>
-            <a:ext cx="4486901" cy="2353003"/>
+            <a:off x="3496883" y="4673809"/>
+            <a:ext cx="4486901" cy="2184191"/>
           </a:xfrm>
           <a:prstGeom prst="rect">
             <a:avLst/>
@@ -13242,8 +13241,8 @@
         </p:nvSpPr>
         <p:spPr>
           <a:xfrm>
-            <a:off x="308008" y="981777"/>
-            <a:ext cx="10905424" cy="523220"/>
+            <a:off x="308007" y="981777"/>
+            <a:ext cx="11410377" cy="584775"/>
           </a:xfrm>
           <a:prstGeom prst="rect">
             <a:avLst/>
@@ -13257,19 +13256,19 @@
           <a:lstStyle/>
           <a:p>
             <a:r>
-              <a:rPr lang="en-US" altLang="zh-CN" dirty="0">
+              <a:rPr lang="en-US" altLang="zh-CN" sz="1600" dirty="0">
                 <a:latin typeface="Consolas" panose="020B0609020204030204" pitchFamily="49" charset="0"/>
               </a:rPr>
-              <a:t>The most central part of the altered algorithm is to vary the scale of the Template so that the heartbeat signals of </a:t>
+              <a:t>The core of the altered algorithm is to vary the scale of the Template so that the heartbeat signals of </a:t>
             </a:r>
             <a:r>
-              <a:rPr lang="en-US" altLang="zh-CN" dirty="0" err="1">
+              <a:rPr lang="en-US" altLang="zh-CN" sz="1600" dirty="0" err="1">
                 <a:latin typeface="Consolas" panose="020B0609020204030204" pitchFamily="49" charset="0"/>
               </a:rPr>
               <a:t>Afib</a:t>
             </a:r>
             <a:r>
-              <a:rPr lang="en-US" altLang="zh-CN" dirty="0">
+              <a:rPr lang="en-US" altLang="zh-CN" sz="1600" dirty="0">
                 <a:latin typeface="Consolas" panose="020B0609020204030204" pitchFamily="49" charset="0"/>
               </a:rPr>
               <a:t> patients can be processed at multiple resolutions.</a:t>
@@ -13696,8 +13695,8 @@
         </p:nvSpPr>
         <p:spPr>
           <a:xfrm>
-            <a:off x="7931217" y="2319688"/>
-            <a:ext cx="4061861" cy="954107"/>
+            <a:off x="7488085" y="2439264"/>
+            <a:ext cx="4385047" cy="1077218"/>
           </a:xfrm>
           <a:prstGeom prst="rect">
             <a:avLst/>
@@ -13711,12 +13710,24 @@
           <a:lstStyle/>
           <a:p>
             <a:r>
-              <a:rPr lang="en-US" altLang="zh-CN" dirty="0">
+              <a:rPr lang="en-US" altLang="zh-CN" sz="1600" dirty="0">
                 <a:latin typeface="Consolas" panose="020B0609020204030204" pitchFamily="49" charset="0"/>
               </a:rPr>
-              <a:t>Seventy-five 10s signals were manually examined, with roughly 190 abnormal heartbeats and 5 that were not localized.</a:t>
+              <a:t>Seventy-five 10s signals were manually examined, with </a:t>
             </a:r>
-            <a:endParaRPr lang="zh-CN" altLang="en-US" dirty="0">
+            <a:r>
+              <a:rPr lang="en-US" altLang="zh-CN" sz="1600" b="1" u="sng" dirty="0">
+                <a:latin typeface="Consolas" panose="020B0609020204030204" pitchFamily="49" charset="0"/>
+              </a:rPr>
+              <a:t>roughly 190 abnormal heartbeats and 5 that were not localized</a:t>
+            </a:r>
+            <a:r>
+              <a:rPr lang="en-US" altLang="zh-CN" sz="1600" dirty="0">
+                <a:latin typeface="Consolas" panose="020B0609020204030204" pitchFamily="49" charset="0"/>
+              </a:rPr>
+              <a:t>.</a:t>
+            </a:r>
+            <a:endParaRPr lang="zh-CN" altLang="en-US" sz="1600" dirty="0">
               <a:latin typeface="Consolas" panose="020B0609020204030204" pitchFamily="49" charset="0"/>
             </a:endParaRPr>
           </a:p>
@@ -13840,8 +13851,8 @@
         </p:nvSpPr>
         <p:spPr>
           <a:xfrm>
-            <a:off x="1078029" y="1337912"/>
-            <a:ext cx="9269128" cy="2031325"/>
+            <a:off x="845727" y="1161450"/>
+            <a:ext cx="10070617" cy="2308324"/>
           </a:xfrm>
           <a:prstGeom prst="rect">
             <a:avLst/>
@@ -13855,26 +13866,44 @@
           <a:lstStyle/>
           <a:p>
             <a:r>
-              <a:rPr lang="en-US" altLang="zh-CN" dirty="0">
+              <a:rPr lang="en-US" altLang="zh-CN" sz="1600" dirty="0">
                 <a:latin typeface="Consolas" panose="020B0609020204030204" pitchFamily="49" charset="0"/>
               </a:rPr>
               <a:t>At the moment, I think the existing time-domain features have basically been tried. If the real features are complex interactions between multiple time-domain features. We may need to use Yida's feature selection method.</a:t>
             </a:r>
           </a:p>
           <a:p>
-            <a:endParaRPr lang="en-US" altLang="zh-CN" dirty="0"/>
+            <a:endParaRPr lang="en-US" altLang="zh-CN" sz="1600" dirty="0"/>
           </a:p>
           <a:p>
-            <a:endParaRPr lang="en-US" altLang="zh-CN" dirty="0">
+            <a:endParaRPr lang="en-US" altLang="zh-CN" sz="1600" dirty="0">
               <a:latin typeface="Consolas" panose="020B0609020204030204" pitchFamily="49" charset="0"/>
             </a:endParaRPr>
           </a:p>
           <a:p>
             <a:r>
-              <a:rPr lang="en-US" altLang="zh-CN" dirty="0">
+              <a:rPr lang="en-US" altLang="zh-CN" sz="1600" dirty="0">
                 <a:latin typeface="Consolas" panose="020B0609020204030204" pitchFamily="49" charset="0"/>
               </a:rPr>
-              <a:t>I think there are two ways to potentially go deeper into BP</a:t>
+              <a:t>I think there are </a:t>
+            </a:r>
+            <a:r>
+              <a:rPr lang="en-US" altLang="zh-CN" sz="1600" b="1" u="sng" dirty="0">
+                <a:latin typeface="Consolas" panose="020B0609020204030204" pitchFamily="49" charset="0"/>
+              </a:rPr>
+              <a:t>two ways</a:t>
+            </a:r>
+            <a:r>
+              <a:rPr lang="en-US" altLang="zh-CN" sz="1600" b="1" dirty="0">
+                <a:latin typeface="Consolas" panose="020B0609020204030204" pitchFamily="49" charset="0"/>
+              </a:rPr>
+              <a:t> </a:t>
+            </a:r>
+            <a:r>
+              <a:rPr lang="en-US" altLang="zh-CN" sz="1600" dirty="0">
+                <a:latin typeface="Consolas" panose="020B0609020204030204" pitchFamily="49" charset="0"/>
+              </a:rPr>
+              <a:t>to potentially go deeper into BP</a:t>
             </a:r>
           </a:p>
           <a:p>
@@ -13882,7 +13911,7 @@
               <a:buAutoNum type="arabicPeriod"/>
             </a:pPr>
             <a:r>
-              <a:rPr lang="en-US" altLang="zh-CN" dirty="0">
+              <a:rPr lang="en-US" altLang="zh-CN" sz="1600" b="1" u="sng" dirty="0">
                 <a:latin typeface="Consolas" panose="020B0609020204030204" pitchFamily="49" charset="0"/>
               </a:rPr>
               <a:t>Finding explainable features to classify High Pressure (&gt;135) and Low pressure (&lt;125).</a:t>
@@ -13893,10 +13922,16 @@
               <a:buAutoNum type="arabicPeriod"/>
             </a:pPr>
             <a:r>
-              <a:rPr lang="en-US" altLang="zh-CN" dirty="0">
+              <a:rPr lang="en-US" altLang="zh-CN" sz="1600" b="1" u="sng" dirty="0">
                 <a:latin typeface="Consolas" panose="020B0609020204030204" pitchFamily="49" charset="0"/>
               </a:rPr>
-              <a:t>Few-shot. Given a person's initial blood pressure, a prediction is then made for that person.</a:t>
+              <a:t>Few-shot.</a:t>
+            </a:r>
+            <a:r>
+              <a:rPr lang="en-US" altLang="zh-CN" sz="1600" b="1" dirty="0">
+                <a:latin typeface="Consolas" panose="020B0609020204030204" pitchFamily="49" charset="0"/>
+              </a:rPr>
+              <a:t> Given a person's initial blood pressure, a prediction is then made for that person.</a:t>
             </a:r>
           </a:p>
         </p:txBody>
@@ -13915,8 +13950,8 @@
         </p:nvSpPr>
         <p:spPr>
           <a:xfrm>
-            <a:off x="1078029" y="4781539"/>
-            <a:ext cx="9606014" cy="954107"/>
+            <a:off x="845727" y="4542388"/>
+            <a:ext cx="10520968" cy="584775"/>
           </a:xfrm>
           <a:prstGeom prst="rect">
             <a:avLst/>
@@ -13930,29 +13965,13 @@
           <a:lstStyle/>
           <a:p>
             <a:r>
-              <a:rPr lang="en-US" altLang="zh-CN" dirty="0">
+              <a:rPr lang="en-US" altLang="zh-CN" sz="1600" b="1" u="sng" dirty="0">
                 <a:latin typeface="Consolas" panose="020B0609020204030204" pitchFamily="49" charset="0"/>
               </a:rPr>
-              <a:t>I'm not capable of writing a paper with such a short deadline and researching blood pressure at the same time.</a:t>
-            </a:r>
-          </a:p>
-          <a:p>
-            <a:r>
-              <a:rPr lang="en-US" altLang="zh-CN" dirty="0">
-                <a:latin typeface="Consolas" panose="020B0609020204030204" pitchFamily="49" charset="0"/>
-              </a:rPr>
-              <a:t> </a:t>
-            </a:r>
-          </a:p>
-          <a:p>
-            <a:r>
-              <a:rPr lang="en-US" altLang="zh-CN" dirty="0">
-                <a:latin typeface="Consolas" panose="020B0609020204030204" pitchFamily="49" charset="0"/>
-              </a:rPr>
-              <a:t>Can we research BP after this article is submitted</a:t>
+              <a:t>I'm not capable of writing a paper with such a short deadline and researching blood pressure at the same time. Can we research BP after this article is submitted</a:t>
             </a:r>
             <a:r>
-              <a:rPr lang="zh-CN" altLang="en-US" dirty="0">
+              <a:rPr lang="zh-CN" altLang="en-US" sz="1600" b="1" u="sng" dirty="0">
                 <a:latin typeface="Consolas" panose="020B0609020204030204" pitchFamily="49" charset="0"/>
               </a:rPr>
               <a:t>？</a:t>
@@ -14061,8 +14080,8 @@
         </p:nvSpPr>
         <p:spPr>
           <a:xfrm>
-            <a:off x="1691640" y="1884822"/>
-            <a:ext cx="6116854" cy="954107"/>
+            <a:off x="1480438" y="1576253"/>
+            <a:ext cx="7810346" cy="2062103"/>
           </a:xfrm>
           <a:prstGeom prst="rect">
             <a:avLst/>
@@ -14080,18 +14099,18 @@
               <a:buAutoNum type="arabicPeriod"/>
             </a:pPr>
             <a:r>
-              <a:rPr lang="en-US" altLang="zh-CN" dirty="0">
+              <a:rPr lang="en-US" altLang="zh-CN" sz="1600" dirty="0">
                 <a:latin typeface="Consolas" panose="020B0609020204030204" pitchFamily="49" charset="0"/>
               </a:rPr>
               <a:t>A</a:t>
             </a:r>
             <a:r>
-              <a:rPr lang="zh-CN" altLang="en-US" dirty="0">
+              <a:rPr lang="zh-CN" altLang="en-US" sz="1600" dirty="0">
                 <a:latin typeface="Consolas" panose="020B0609020204030204" pitchFamily="49" charset="0"/>
               </a:rPr>
               <a:t> photo is needed from side: the patient, HealthCare4 and BedDot in the same photyouro.</a:t>
             </a:r>
-            <a:endParaRPr lang="en-US" altLang="zh-CN" dirty="0">
+            <a:endParaRPr lang="en-US" altLang="zh-CN" sz="1600" dirty="0">
               <a:latin typeface="Consolas" panose="020B0609020204030204" pitchFamily="49" charset="0"/>
             </a:endParaRPr>
           </a:p>
@@ -14099,7 +14118,7 @@
             <a:pPr marL="342900" indent="-342900">
               <a:buAutoNum type="arabicPeriod"/>
             </a:pPr>
-            <a:endParaRPr lang="en-US" altLang="zh-CN" dirty="0">
+            <a:endParaRPr lang="en-US" altLang="zh-CN" sz="1600" dirty="0">
               <a:latin typeface="Consolas" panose="020B0609020204030204" pitchFamily="49" charset="0"/>
             </a:endParaRPr>
           </a:p>
@@ -14109,38 +14128,56 @@
               <a:buAutoNum type="arabicPeriod"/>
             </a:pPr>
             <a:r>
-              <a:rPr lang="en-US" altLang="zh-CN" dirty="0">
+              <a:rPr lang="en-US" altLang="zh-CN" sz="1600" dirty="0">
                 <a:latin typeface="Consolas" panose="020B0609020204030204" pitchFamily="49" charset="0"/>
               </a:rPr>
               <a:t>Use </a:t>
             </a:r>
             <a:r>
-              <a:rPr lang="zh-CN" altLang="en-US" dirty="0">
+              <a:rPr lang="zh-CN" altLang="en-US" sz="1600" dirty="0">
                 <a:latin typeface="Consolas" panose="020B0609020204030204" pitchFamily="49" charset="0"/>
               </a:rPr>
               <a:t>BedDot </a:t>
             </a:r>
             <a:r>
-              <a:rPr lang="en-US" altLang="zh-CN" dirty="0">
+              <a:rPr lang="en-US" altLang="zh-CN" sz="1600" dirty="0">
                 <a:latin typeface="Consolas" panose="020B0609020204030204" pitchFamily="49" charset="0"/>
               </a:rPr>
               <a:t>to </a:t>
             </a:r>
             <a:r>
-              <a:rPr lang="zh-CN" altLang="en-US" dirty="0">
+              <a:rPr lang="zh-CN" altLang="en-US" sz="1600" dirty="0">
                 <a:latin typeface="Consolas" panose="020B0609020204030204" pitchFamily="49" charset="0"/>
               </a:rPr>
               <a:t>collect data</a:t>
             </a:r>
             <a:r>
-              <a:rPr lang="en-US" altLang="zh-CN" dirty="0">
+              <a:rPr lang="en-US" altLang="zh-CN" sz="1600" dirty="0">
                 <a:latin typeface="Consolas" panose="020B0609020204030204" pitchFamily="49" charset="0"/>
               </a:rPr>
               <a:t>.</a:t>
             </a:r>
-            <a:endParaRPr lang="zh-CN" altLang="en-US" dirty="0">
+          </a:p>
+          <a:p>
+            <a:pPr marL="342900" indent="-342900">
+              <a:buFont typeface="Arial"/>
+              <a:buAutoNum type="arabicPeriod"/>
+            </a:pPr>
+            <a:endParaRPr lang="en-US" altLang="zh-CN" sz="1600" dirty="0">
               <a:latin typeface="Consolas" panose="020B0609020204030204" pitchFamily="49" charset="0"/>
             </a:endParaRPr>
+          </a:p>
+          <a:p>
+            <a:pPr marL="342900" indent="-342900">
+              <a:buFont typeface="Arial"/>
+              <a:buAutoNum type="arabicPeriod"/>
+            </a:pPr>
+            <a:r>
+              <a:rPr lang="en-US" altLang="zh-CN" sz="1600" dirty="0">
+                <a:latin typeface="Consolas" panose="020B0609020204030204" pitchFamily="49" charset="0"/>
+              </a:rPr>
+              <a:t>When writing the introduction, I found 2-3 papers that had used Template matching to estimate IBI, and they were all in 2023 or 2024 year.</a:t>
+            </a:r>
           </a:p>
         </p:txBody>
       </p:sp>
@@ -14174,6 +14211,126 @@
           </a:prstGeom>
         </p:spPr>
       </p:pic>
+      <p:sp>
+        <p:nvSpPr>
+          <p:cNvPr id="3" name="文本框 2">
+            <a:extLst>
+              <a:ext uri="{FF2B5EF4-FFF2-40B4-BE49-F238E27FC236}">
+                <a16:creationId xmlns:a16="http://schemas.microsoft.com/office/drawing/2014/main" id="{B9EFEB44-9715-178B-4FEA-2414F76AC599}"/>
+              </a:ext>
+            </a:extLst>
+          </p:cNvPr>
+          <p:cNvSpPr txBox="1"/>
+          <p:nvPr/>
+        </p:nvSpPr>
+        <p:spPr>
+          <a:xfrm>
+            <a:off x="1480438" y="5596116"/>
+            <a:ext cx="10157059" cy="1261884"/>
+          </a:xfrm>
+          <a:prstGeom prst="rect">
+            <a:avLst/>
+          </a:prstGeom>
+          <a:noFill/>
+        </p:spPr>
+        <p:txBody>
+          <a:bodyPr wrap="square">
+            <a:spAutoFit/>
+          </a:bodyPr>
+          <a:lstStyle/>
+          <a:p>
+            <a:r>
+              <a:rPr lang="en-US" altLang="zh-CN" sz="1200" dirty="0" err="1">
+                <a:latin typeface="Consolas" panose="020B0609020204030204" pitchFamily="49" charset="0"/>
+              </a:rPr>
+              <a:t>Parlato</a:t>
+            </a:r>
+            <a:r>
+              <a:rPr lang="en-US" altLang="zh-CN" sz="1200" dirty="0">
+                <a:latin typeface="Consolas" panose="020B0609020204030204" pitchFamily="49" charset="0"/>
+              </a:rPr>
+              <a:t> S, </a:t>
+            </a:r>
+            <a:r>
+              <a:rPr lang="en-US" altLang="zh-CN" sz="1200" dirty="0" err="1">
+                <a:latin typeface="Consolas" panose="020B0609020204030204" pitchFamily="49" charset="0"/>
+              </a:rPr>
+              <a:t>Centracchio</a:t>
+            </a:r>
+            <a:r>
+              <a:rPr lang="en-US" altLang="zh-CN" sz="1200" dirty="0">
+                <a:latin typeface="Consolas" panose="020B0609020204030204" pitchFamily="49" charset="0"/>
+              </a:rPr>
+              <a:t> J, Esposito D, et al. Heartbeat Detection in </a:t>
+            </a:r>
+            <a:r>
+              <a:rPr lang="en-US" altLang="zh-CN" sz="1200" dirty="0" err="1">
+                <a:latin typeface="Consolas" panose="020B0609020204030204" pitchFamily="49" charset="0"/>
+              </a:rPr>
+              <a:t>Gyrocardiography</a:t>
+            </a:r>
+            <a:r>
+              <a:rPr lang="en-US" altLang="zh-CN" sz="1200" dirty="0">
+                <a:latin typeface="Consolas" panose="020B0609020204030204" pitchFamily="49" charset="0"/>
+              </a:rPr>
+              <a:t> Signals without Concurrent ECG Tracings[J]. Sensors, 2023, 23(13): 6200.</a:t>
+            </a:r>
+          </a:p>
+          <a:p>
+            <a:pPr marL="342900" indent="-342900">
+              <a:buFont typeface="Arial"/>
+              <a:buAutoNum type="arabicPeriod"/>
+            </a:pPr>
+            <a:endParaRPr lang="en-US" altLang="zh-CN" dirty="0">
+              <a:latin typeface="Consolas" panose="020B0609020204030204" pitchFamily="49" charset="0"/>
+            </a:endParaRPr>
+          </a:p>
+          <a:p>
+            <a:r>
+              <a:rPr lang="en-US" altLang="zh-CN" sz="1200" dirty="0" err="1">
+                <a:latin typeface="Consolas" panose="020B0609020204030204" pitchFamily="49" charset="0"/>
+              </a:rPr>
+              <a:t>Centracchio</a:t>
+            </a:r>
+            <a:r>
+              <a:rPr lang="en-US" altLang="zh-CN" sz="1200" dirty="0">
+                <a:latin typeface="Consolas" panose="020B0609020204030204" pitchFamily="49" charset="0"/>
+              </a:rPr>
+              <a:t> J, </a:t>
+            </a:r>
+            <a:r>
+              <a:rPr lang="en-US" altLang="zh-CN" sz="1200" dirty="0" err="1">
+                <a:latin typeface="Consolas" panose="020B0609020204030204" pitchFamily="49" charset="0"/>
+              </a:rPr>
+              <a:t>Parlato</a:t>
+            </a:r>
+            <a:r>
+              <a:rPr lang="en-US" altLang="zh-CN" sz="1200" dirty="0">
+                <a:latin typeface="Consolas" panose="020B0609020204030204" pitchFamily="49" charset="0"/>
+              </a:rPr>
+              <a:t> S, Esposito D, et al. Accurate Localization of First and Second Heart Sounds via Template Matching in </a:t>
+            </a:r>
+            <a:r>
+              <a:rPr lang="en-US" altLang="zh-CN" sz="1200" dirty="0" err="1">
+                <a:latin typeface="Consolas" panose="020B0609020204030204" pitchFamily="49" charset="0"/>
+              </a:rPr>
+              <a:t>Forcecardiography</a:t>
+            </a:r>
+            <a:r>
+              <a:rPr lang="en-US" altLang="zh-CN" sz="1200" dirty="0">
+                <a:latin typeface="Consolas" panose="020B0609020204030204" pitchFamily="49" charset="0"/>
+              </a:rPr>
+              <a:t> Signals[J]. Sensors, 2024, 24(5): 1525.</a:t>
+            </a:r>
+            <a:endParaRPr lang="zh-CN" altLang="en-US" sz="1200" dirty="0">
+              <a:latin typeface="Consolas" panose="020B0609020204030204" pitchFamily="49" charset="0"/>
+            </a:endParaRPr>
+          </a:p>
+          <a:p>
+            <a:endParaRPr lang="zh-CN" altLang="en-US" dirty="0"/>
+          </a:p>
+        </p:txBody>
+      </p:sp>
     </p:spTree>
     <p:extLst>
       <p:ext uri="{BB962C8B-B14F-4D97-AF65-F5344CB8AC3E}">
